--- a/lectures/activity7_key.pptx
+++ b/lectures/activity7_key.pptx
@@ -113,6 +113,11 @@
       </a:defRPr>
     </a:lvl9pPr>
   </p:defaultTextStyle>
+  <p:extLst>
+    <p:ext uri="{EFAFB233-063F-42B5-8137-9DF3F51BA10A}">
+      <p15:sldGuideLst xmlns:p15="http://schemas.microsoft.com/office/powerpoint/2012/main"/>
+    </p:ext>
+  </p:extLst>
 </p:presentation>
 </file>
 
@@ -198,7 +203,7 @@
           <a:p>
             <a:fld id="{DAC6BC2B-18E3-5248-83BE-B54006E4C1A1}" type="datetimeFigureOut">
               <a:rPr lang="en-US" smtClean="0"/>
-              <a:t>10/10/21</a:t>
+              <a:t>10/13/21</a:t>
             </a:fld>
             <a:endParaRPr lang="en-US"/>
           </a:p>
@@ -1602,7 +1607,7 @@
           <a:p>
             <a:fld id="{CF55486B-748E-1D48-B7BD-EE1A86686A57}" type="datetimeFigureOut">
               <a:rPr lang="en-US" smtClean="0"/>
-              <a:t>10/10/21</a:t>
+              <a:t>10/13/21</a:t>
             </a:fld>
             <a:endParaRPr lang="en-US"/>
           </a:p>
@@ -1800,7 +1805,7 @@
           <a:p>
             <a:fld id="{CF55486B-748E-1D48-B7BD-EE1A86686A57}" type="datetimeFigureOut">
               <a:rPr lang="en-US" smtClean="0"/>
-              <a:t>10/10/21</a:t>
+              <a:t>10/13/21</a:t>
             </a:fld>
             <a:endParaRPr lang="en-US"/>
           </a:p>
@@ -2008,7 +2013,7 @@
           <a:p>
             <a:fld id="{CF55486B-748E-1D48-B7BD-EE1A86686A57}" type="datetimeFigureOut">
               <a:rPr lang="en-US" smtClean="0"/>
-              <a:t>10/10/21</a:t>
+              <a:t>10/13/21</a:t>
             </a:fld>
             <a:endParaRPr lang="en-US"/>
           </a:p>
@@ -2206,7 +2211,7 @@
           <a:p>
             <a:fld id="{CF55486B-748E-1D48-B7BD-EE1A86686A57}" type="datetimeFigureOut">
               <a:rPr lang="en-US" smtClean="0"/>
-              <a:t>10/10/21</a:t>
+              <a:t>10/13/21</a:t>
             </a:fld>
             <a:endParaRPr lang="en-US"/>
           </a:p>
@@ -2481,7 +2486,7 @@
           <a:p>
             <a:fld id="{CF55486B-748E-1D48-B7BD-EE1A86686A57}" type="datetimeFigureOut">
               <a:rPr lang="en-US" smtClean="0"/>
-              <a:t>10/10/21</a:t>
+              <a:t>10/13/21</a:t>
             </a:fld>
             <a:endParaRPr lang="en-US"/>
           </a:p>
@@ -2746,7 +2751,7 @@
           <a:p>
             <a:fld id="{CF55486B-748E-1D48-B7BD-EE1A86686A57}" type="datetimeFigureOut">
               <a:rPr lang="en-US" smtClean="0"/>
-              <a:t>10/10/21</a:t>
+              <a:t>10/13/21</a:t>
             </a:fld>
             <a:endParaRPr lang="en-US"/>
           </a:p>
@@ -3158,7 +3163,7 @@
           <a:p>
             <a:fld id="{CF55486B-748E-1D48-B7BD-EE1A86686A57}" type="datetimeFigureOut">
               <a:rPr lang="en-US" smtClean="0"/>
-              <a:t>10/10/21</a:t>
+              <a:t>10/13/21</a:t>
             </a:fld>
             <a:endParaRPr lang="en-US"/>
           </a:p>
@@ -3299,7 +3304,7 @@
           <a:p>
             <a:fld id="{CF55486B-748E-1D48-B7BD-EE1A86686A57}" type="datetimeFigureOut">
               <a:rPr lang="en-US" smtClean="0"/>
-              <a:t>10/10/21</a:t>
+              <a:t>10/13/21</a:t>
             </a:fld>
             <a:endParaRPr lang="en-US"/>
           </a:p>
@@ -3412,7 +3417,7 @@
           <a:p>
             <a:fld id="{CF55486B-748E-1D48-B7BD-EE1A86686A57}" type="datetimeFigureOut">
               <a:rPr lang="en-US" smtClean="0"/>
-              <a:t>10/10/21</a:t>
+              <a:t>10/13/21</a:t>
             </a:fld>
             <a:endParaRPr lang="en-US"/>
           </a:p>
@@ -3723,7 +3728,7 @@
           <a:p>
             <a:fld id="{CF55486B-748E-1D48-B7BD-EE1A86686A57}" type="datetimeFigureOut">
               <a:rPr lang="en-US" smtClean="0"/>
-              <a:t>10/10/21</a:t>
+              <a:t>10/13/21</a:t>
             </a:fld>
             <a:endParaRPr lang="en-US"/>
           </a:p>
@@ -4011,7 +4016,7 @@
           <a:p>
             <a:fld id="{CF55486B-748E-1D48-B7BD-EE1A86686A57}" type="datetimeFigureOut">
               <a:rPr lang="en-US" smtClean="0"/>
-              <a:t>10/10/21</a:t>
+              <a:t>10/13/21</a:t>
             </a:fld>
             <a:endParaRPr lang="en-US"/>
           </a:p>
@@ -4252,7 +4257,7 @@
           <a:p>
             <a:fld id="{CF55486B-748E-1D48-B7BD-EE1A86686A57}" type="datetimeFigureOut">
               <a:rPr lang="en-US" smtClean="0"/>
-              <a:t>10/10/21</a:t>
+              <a:t>10/13/21</a:t>
             </a:fld>
             <a:endParaRPr lang="en-US"/>
           </a:p>
@@ -13239,7 +13244,7 @@
           <p:nvPr>
             <p:extLst>
               <p:ext uri="{D42A27DB-BD31-4B8C-83A1-F6EECF244321}">
-                <p14:modId xmlns:p14="http://schemas.microsoft.com/office/powerpoint/2010/main" val="550686729"/>
+                <p14:modId xmlns:p14="http://schemas.microsoft.com/office/powerpoint/2010/main" val="869158326"/>
               </p:ext>
             </p:extLst>
           </p:nvPr>
@@ -13460,12 +13465,20 @@
                     <a:p>
                       <a:pPr algn="ctr"/>
                       <a:r>
+                        <a:rPr lang="en-US" sz="2400" b="0">
+                          <a:solidFill>
+                            <a:schemeClr val="tx1"/>
+                          </a:solidFill>
+                        </a:rPr>
+                        <a:t>-</a:t>
+                      </a:r>
+                      <a:r>
                         <a:rPr lang="en-US" sz="2400" b="0" dirty="0">
                           <a:solidFill>
                             <a:schemeClr val="tx1"/>
                           </a:solidFill>
                         </a:rPr>
-                        <a:t>2</a:t>
+                        <a:t>5</a:t>
                       </a:r>
                     </a:p>
                   </a:txBody>
